--- a/게임 기획서.pptx
+++ b/게임 기획서.pptx
@@ -23,7 +23,10 @@
     <p:sldId id="274" r:id="rId17"/>
     <p:sldId id="269" r:id="rId18"/>
     <p:sldId id="275" r:id="rId19"/>
-    <p:sldId id="276" r:id="rId20"/>
+    <p:sldId id="277" r:id="rId20"/>
+    <p:sldId id="278" r:id="rId21"/>
+    <p:sldId id="279" r:id="rId22"/>
+    <p:sldId id="276" r:id="rId23"/>
   </p:sldIdLst>
   <p:sldSz cx="12192000" cy="6858000"/>
   <p:notesSz cx="6858000" cy="9144000"/>
@@ -632,7 +635,7 @@
           <a:p>
             <a:fld id="{895BEACE-03DE-4EA6-B496-2F54B42F25EC}" type="datetimeFigureOut">
               <a:rPr lang="ko-KR" altLang="en-US" smtClean="0"/>
-              <a:t>2021-04-25</a:t>
+              <a:t>2021-05-27</a:t>
             </a:fld>
             <a:endParaRPr lang="ko-KR" altLang="en-US"/>
           </a:p>
@@ -928,7 +931,7 @@
           <a:p>
             <a:fld id="{895BEACE-03DE-4EA6-B496-2F54B42F25EC}" type="datetimeFigureOut">
               <a:rPr lang="ko-KR" altLang="en-US" smtClean="0"/>
-              <a:t>2021-04-25</a:t>
+              <a:t>2021-05-27</a:t>
             </a:fld>
             <a:endParaRPr lang="ko-KR" altLang="en-US"/>
           </a:p>
@@ -1176,7 +1179,7 @@
           <a:p>
             <a:fld id="{895BEACE-03DE-4EA6-B496-2F54B42F25EC}" type="datetimeFigureOut">
               <a:rPr lang="ko-KR" altLang="en-US" smtClean="0"/>
-              <a:t>2021-04-25</a:t>
+              <a:t>2021-05-27</a:t>
             </a:fld>
             <a:endParaRPr lang="ko-KR" altLang="en-US"/>
           </a:p>
@@ -1716,7 +1719,7 @@
           <a:p>
             <a:fld id="{895BEACE-03DE-4EA6-B496-2F54B42F25EC}" type="datetimeFigureOut">
               <a:rPr lang="ko-KR" altLang="en-US" smtClean="0"/>
-              <a:t>2021-04-25</a:t>
+              <a:t>2021-05-27</a:t>
             </a:fld>
             <a:endParaRPr lang="ko-KR" altLang="en-US"/>
           </a:p>
@@ -1964,7 +1967,7 @@
           <a:p>
             <a:fld id="{895BEACE-03DE-4EA6-B496-2F54B42F25EC}" type="datetimeFigureOut">
               <a:rPr lang="ko-KR" altLang="en-US" smtClean="0"/>
-              <a:t>2021-04-25</a:t>
+              <a:t>2021-05-27</a:t>
             </a:fld>
             <a:endParaRPr lang="ko-KR" altLang="en-US"/>
           </a:p>
@@ -2496,7 +2499,7 @@
           <a:p>
             <a:fld id="{895BEACE-03DE-4EA6-B496-2F54B42F25EC}" type="datetimeFigureOut">
               <a:rPr lang="ko-KR" altLang="en-US" smtClean="0"/>
-              <a:t>2021-04-25</a:t>
+              <a:t>2021-05-27</a:t>
             </a:fld>
             <a:endParaRPr lang="ko-KR" altLang="en-US"/>
           </a:p>
@@ -2793,7 +2796,7 @@
           <a:p>
             <a:fld id="{895BEACE-03DE-4EA6-B496-2F54B42F25EC}" type="datetimeFigureOut">
               <a:rPr lang="ko-KR" altLang="en-US" smtClean="0"/>
-              <a:t>2021-04-25</a:t>
+              <a:t>2021-05-27</a:t>
             </a:fld>
             <a:endParaRPr lang="ko-KR" altLang="en-US"/>
           </a:p>
@@ -2967,7 +2970,7 @@
           <a:p>
             <a:fld id="{895BEACE-03DE-4EA6-B496-2F54B42F25EC}" type="datetimeFigureOut">
               <a:rPr lang="ko-KR" altLang="en-US" smtClean="0"/>
-              <a:t>2021-04-25</a:t>
+              <a:t>2021-05-27</a:t>
             </a:fld>
             <a:endParaRPr lang="ko-KR" altLang="en-US"/>
           </a:p>
@@ -3147,7 +3150,7 @@
           <a:p>
             <a:fld id="{895BEACE-03DE-4EA6-B496-2F54B42F25EC}" type="datetimeFigureOut">
               <a:rPr lang="ko-KR" altLang="en-US" smtClean="0"/>
-              <a:t>2021-04-25</a:t>
+              <a:t>2021-05-27</a:t>
             </a:fld>
             <a:endParaRPr lang="ko-KR" altLang="en-US"/>
           </a:p>
@@ -3317,7 +3320,7 @@
           <a:p>
             <a:fld id="{895BEACE-03DE-4EA6-B496-2F54B42F25EC}" type="datetimeFigureOut">
               <a:rPr lang="ko-KR" altLang="en-US" smtClean="0"/>
-              <a:t>2021-04-25</a:t>
+              <a:t>2021-05-27</a:t>
             </a:fld>
             <a:endParaRPr lang="ko-KR" altLang="en-US"/>
           </a:p>
@@ -3568,7 +3571,7 @@
           <a:p>
             <a:fld id="{895BEACE-03DE-4EA6-B496-2F54B42F25EC}" type="datetimeFigureOut">
               <a:rPr lang="ko-KR" altLang="en-US" smtClean="0"/>
-              <a:t>2021-04-25</a:t>
+              <a:t>2021-05-27</a:t>
             </a:fld>
             <a:endParaRPr lang="ko-KR" altLang="en-US"/>
           </a:p>
@@ -3865,7 +3868,7 @@
           <a:p>
             <a:fld id="{895BEACE-03DE-4EA6-B496-2F54B42F25EC}" type="datetimeFigureOut">
               <a:rPr lang="ko-KR" altLang="en-US" smtClean="0"/>
-              <a:t>2021-04-25</a:t>
+              <a:t>2021-05-27</a:t>
             </a:fld>
             <a:endParaRPr lang="ko-KR" altLang="en-US"/>
           </a:p>
@@ -4307,7 +4310,7 @@
           <a:p>
             <a:fld id="{895BEACE-03DE-4EA6-B496-2F54B42F25EC}" type="datetimeFigureOut">
               <a:rPr lang="ko-KR" altLang="en-US" smtClean="0"/>
-              <a:t>2021-04-25</a:t>
+              <a:t>2021-05-27</a:t>
             </a:fld>
             <a:endParaRPr lang="ko-KR" altLang="en-US"/>
           </a:p>
@@ -4425,7 +4428,7 @@
           <a:p>
             <a:fld id="{895BEACE-03DE-4EA6-B496-2F54B42F25EC}" type="datetimeFigureOut">
               <a:rPr lang="ko-KR" altLang="en-US" smtClean="0"/>
-              <a:t>2021-04-25</a:t>
+              <a:t>2021-05-27</a:t>
             </a:fld>
             <a:endParaRPr lang="ko-KR" altLang="en-US"/>
           </a:p>
@@ -4520,7 +4523,7 @@
           <a:p>
             <a:fld id="{895BEACE-03DE-4EA6-B496-2F54B42F25EC}" type="datetimeFigureOut">
               <a:rPr lang="ko-KR" altLang="en-US" smtClean="0"/>
-              <a:t>2021-04-25</a:t>
+              <a:t>2021-05-27</a:t>
             </a:fld>
             <a:endParaRPr lang="ko-KR" altLang="en-US"/>
           </a:p>
@@ -4803,7 +4806,7 @@
           <a:p>
             <a:fld id="{895BEACE-03DE-4EA6-B496-2F54B42F25EC}" type="datetimeFigureOut">
               <a:rPr lang="ko-KR" altLang="en-US" smtClean="0"/>
-              <a:t>2021-04-25</a:t>
+              <a:t>2021-05-27</a:t>
             </a:fld>
             <a:endParaRPr lang="ko-KR" altLang="en-US"/>
           </a:p>
@@ -5094,7 +5097,7 @@
           <a:p>
             <a:fld id="{895BEACE-03DE-4EA6-B496-2F54B42F25EC}" type="datetimeFigureOut">
               <a:rPr lang="ko-KR" altLang="en-US" smtClean="0"/>
-              <a:t>2021-04-25</a:t>
+              <a:t>2021-05-27</a:t>
             </a:fld>
             <a:endParaRPr lang="ko-KR" altLang="en-US"/>
           </a:p>
@@ -5624,7 +5627,7 @@
           <a:p>
             <a:fld id="{895BEACE-03DE-4EA6-B496-2F54B42F25EC}" type="datetimeFigureOut">
               <a:rPr lang="ko-KR" altLang="en-US" smtClean="0"/>
-              <a:t>2021-04-25</a:t>
+              <a:t>2021-05-27</a:t>
             </a:fld>
             <a:endParaRPr lang="ko-KR" altLang="en-US"/>
           </a:p>
@@ -9278,101 +9281,6 @@
       </p:grpSpPr>
       <p:sp>
         <p:nvSpPr>
-          <p:cNvPr id="8" name="TextBox 7">
-            <a:extLst>
-              <a:ext uri="{FF2B5EF4-FFF2-40B4-BE49-F238E27FC236}">
-                <a16:creationId xmlns:a16="http://schemas.microsoft.com/office/drawing/2014/main" id="{2E732164-C0B8-43BD-B991-7A2D23B7691E}"/>
-              </a:ext>
-            </a:extLst>
-          </p:cNvPr>
-          <p:cNvSpPr txBox="1"/>
-          <p:nvPr/>
-        </p:nvSpPr>
-        <p:spPr>
-          <a:xfrm>
-            <a:off x="2713308" y="1676171"/>
-            <a:ext cx="7039671" cy="1877437"/>
-          </a:xfrm>
-          <a:prstGeom prst="rect">
-            <a:avLst/>
-          </a:prstGeom>
-          <a:noFill/>
-        </p:spPr>
-        <p:txBody>
-          <a:bodyPr wrap="square">
-            <a:spAutoFit/>
-          </a:bodyPr>
-          <a:lstStyle/>
-          <a:p>
-            <a:pPr algn="ctr"/>
-            <a:r>
-              <a:rPr lang="en-US" altLang="ko-KR" sz="2900" dirty="0" err="1">
-                <a:latin typeface="+mj-lt"/>
-              </a:rPr>
-              <a:t>Github</a:t>
-            </a:r>
-            <a:r>
-              <a:rPr lang="en-US" altLang="ko-KR" sz="2900" dirty="0">
-                <a:latin typeface="+mj-lt"/>
-              </a:rPr>
-              <a:t> Repository</a:t>
-            </a:r>
-            <a:r>
-              <a:rPr lang="ko-KR" altLang="en-US" sz="2900" dirty="0">
-                <a:latin typeface="+mj-lt"/>
-              </a:rPr>
-              <a:t>에 영상</a:t>
-            </a:r>
-            <a:r>
-              <a:rPr lang="en-US" altLang="ko-KR" sz="2900" dirty="0">
-                <a:latin typeface="+mj-lt"/>
-              </a:rPr>
-              <a:t>, PPT, </a:t>
-            </a:r>
-            <a:r>
-              <a:rPr lang="ko-KR" altLang="en-US" sz="2900" dirty="0">
-                <a:latin typeface="+mj-lt"/>
-              </a:rPr>
-              <a:t>전체 유니티 소스</a:t>
-            </a:r>
-            <a:r>
-              <a:rPr lang="en-US" altLang="ko-KR" sz="2900" dirty="0">
-                <a:latin typeface="+mj-lt"/>
-              </a:rPr>
-              <a:t> </a:t>
-            </a:r>
-            <a:r>
-              <a:rPr lang="ko-KR" altLang="en-US" sz="2900" dirty="0">
-                <a:latin typeface="+mj-lt"/>
-              </a:rPr>
-              <a:t>올려놓은 상태입니다</a:t>
-            </a:r>
-            <a:endParaRPr lang="en-US" altLang="ko-KR" sz="2900" dirty="0">
-              <a:latin typeface="+mj-lt"/>
-            </a:endParaRPr>
-          </a:p>
-          <a:p>
-            <a:pPr algn="ctr"/>
-            <a:endParaRPr lang="en-US" altLang="ko-KR" sz="2900" dirty="0">
-              <a:latin typeface="+mj-lt"/>
-            </a:endParaRPr>
-          </a:p>
-          <a:p>
-            <a:pPr algn="ctr"/>
-            <a:r>
-              <a:rPr lang="ko-KR" altLang="en-US" sz="2900" dirty="0">
-                <a:latin typeface="+mj-lt"/>
-              </a:rPr>
-              <a:t>감사합니다</a:t>
-            </a:r>
-            <a:endParaRPr lang="en-US" altLang="ko-KR" sz="2900" dirty="0">
-              <a:latin typeface="+mj-lt"/>
-            </a:endParaRPr>
-          </a:p>
-        </p:txBody>
-      </p:sp>
-      <p:sp>
-        <p:nvSpPr>
           <p:cNvPr id="12" name="Title 1">
             <a:extLst>
               <a:ext uri="{FF2B5EF4-FFF2-40B4-BE49-F238E27FC236}">
@@ -9478,17 +9386,77 @@
           <a:p>
             <a:r>
               <a:rPr lang="ko-KR" altLang="en-US" dirty="0"/>
-              <a:t>소스 코드</a:t>
-            </a:r>
-          </a:p>
-        </p:txBody>
-      </p:sp>
-      <p:sp>
-        <p:nvSpPr>
-          <p:cNvPr id="15" name="TextBox 14">
+              <a:t>배경 애셋</a:t>
+            </a:r>
+          </a:p>
+        </p:txBody>
+      </p:sp>
+      <p:pic>
+        <p:nvPicPr>
+          <p:cNvPr id="3" name="Picture 2">
             <a:extLst>
               <a:ext uri="{FF2B5EF4-FFF2-40B4-BE49-F238E27FC236}">
-                <a16:creationId xmlns:a16="http://schemas.microsoft.com/office/drawing/2014/main" id="{45969EEE-7B58-415A-81C9-F808630BA06F}"/>
+                <a16:creationId xmlns:a16="http://schemas.microsoft.com/office/drawing/2014/main" id="{1ACB29D7-0859-4EDA-A051-FA6F1E9AFBB5}"/>
+              </a:ext>
+            </a:extLst>
+          </p:cNvPr>
+          <p:cNvPicPr>
+            <a:picLocks noChangeAspect="1"/>
+          </p:cNvPicPr>
+          <p:nvPr/>
+        </p:nvPicPr>
+        <p:blipFill>
+          <a:blip r:embed="rId2"/>
+          <a:stretch>
+            <a:fillRect/>
+          </a:stretch>
+        </p:blipFill>
+        <p:spPr>
+          <a:xfrm>
+            <a:off x="1713357" y="2289258"/>
+            <a:ext cx="6867525" cy="3819525"/>
+          </a:xfrm>
+          <a:prstGeom prst="rect">
+            <a:avLst/>
+          </a:prstGeom>
+        </p:spPr>
+      </p:pic>
+      <p:pic>
+        <p:nvPicPr>
+          <p:cNvPr id="4" name="Picture 3">
+            <a:extLst>
+              <a:ext uri="{FF2B5EF4-FFF2-40B4-BE49-F238E27FC236}">
+                <a16:creationId xmlns:a16="http://schemas.microsoft.com/office/drawing/2014/main" id="{00D36700-9A79-48A1-9796-064F104ED832}"/>
+              </a:ext>
+            </a:extLst>
+          </p:cNvPr>
+          <p:cNvPicPr>
+            <a:picLocks noChangeAspect="1"/>
+          </p:cNvPicPr>
+          <p:nvPr/>
+        </p:nvPicPr>
+        <p:blipFill>
+          <a:blip r:embed="rId3"/>
+          <a:stretch>
+            <a:fillRect/>
+          </a:stretch>
+        </p:blipFill>
+        <p:spPr>
+          <a:xfrm>
+            <a:off x="9087045" y="829326"/>
+            <a:ext cx="2571518" cy="5279457"/>
+          </a:xfrm>
+          <a:prstGeom prst="rect">
+            <a:avLst/>
+          </a:prstGeom>
+        </p:spPr>
+      </p:pic>
+      <p:sp>
+        <p:nvSpPr>
+          <p:cNvPr id="9" name="TextBox 8">
+            <a:extLst>
+              <a:ext uri="{FF2B5EF4-FFF2-40B4-BE49-F238E27FC236}">
+                <a16:creationId xmlns:a16="http://schemas.microsoft.com/office/drawing/2014/main" id="{FDF6574E-AACA-443B-9FA9-C46AEB80E62A}"/>
               </a:ext>
             </a:extLst>
           </p:cNvPr>
@@ -9497,8 +9465,8 @@
         </p:nvSpPr>
         <p:spPr>
           <a:xfrm>
-            <a:off x="5340997" y="1022372"/>
-            <a:ext cx="2170185" cy="538609"/>
+            <a:off x="4551726" y="1858371"/>
+            <a:ext cx="2170185" cy="430887"/>
           </a:xfrm>
           <a:prstGeom prst="rect">
             <a:avLst/>
@@ -9512,12 +9480,12 @@
           <a:lstStyle/>
           <a:p>
             <a:r>
-              <a:rPr lang="ko-KR" altLang="en-US" sz="2900" dirty="0">
+              <a:rPr lang="ko-KR" altLang="en-US" sz="2200" dirty="0">
                 <a:latin typeface="+mj-lt"/>
               </a:rPr>
-              <a:t>전체 코드</a:t>
-            </a:r>
-            <a:endParaRPr lang="en-US" altLang="ko-KR" sz="2900" dirty="0">
+              <a:t>인게임</a:t>
+            </a:r>
+            <a:endParaRPr lang="en-US" altLang="ko-KR" sz="2200" dirty="0">
               <a:latin typeface="+mj-lt"/>
             </a:endParaRPr>
           </a:p>
@@ -9525,10 +9493,10 @@
       </p:sp>
       <p:sp>
         <p:nvSpPr>
-          <p:cNvPr id="6" name="TextBox 5">
+          <p:cNvPr id="10" name="TextBox 9">
             <a:extLst>
               <a:ext uri="{FF2B5EF4-FFF2-40B4-BE49-F238E27FC236}">
-                <a16:creationId xmlns:a16="http://schemas.microsoft.com/office/drawing/2014/main" id="{30757665-46A0-49A0-B9A1-AD187A692CF8}"/>
+                <a16:creationId xmlns:a16="http://schemas.microsoft.com/office/drawing/2014/main" id="{6C46E465-05DA-4E4C-82BB-D94BE0BE303F}"/>
               </a:ext>
             </a:extLst>
           </p:cNvPr>
@@ -9537,8 +9505,8 @@
         </p:nvSpPr>
         <p:spPr>
           <a:xfrm>
-            <a:off x="1604011" y="3653870"/>
-            <a:ext cx="9644156" cy="538609"/>
+            <a:off x="9982113" y="398439"/>
+            <a:ext cx="1256321" cy="430887"/>
           </a:xfrm>
           <a:prstGeom prst="rect">
             <a:avLst/>
@@ -9552,18 +9520,21 @@
           <a:lstStyle/>
           <a:p>
             <a:r>
-              <a:rPr lang="en-US" altLang="ko-KR" sz="2900" dirty="0">
+              <a:rPr lang="ko-KR" altLang="en-US" sz="2200">
                 <a:latin typeface="+mj-lt"/>
               </a:rPr>
-              <a:t>https://github.com/dochigrammer/RoguelikeShooting.git</a:t>
-            </a:r>
+              <a:t>에셋</a:t>
+            </a:r>
+            <a:endParaRPr lang="en-US" altLang="ko-KR" sz="2200" dirty="0">
+              <a:latin typeface="+mj-lt"/>
+            </a:endParaRPr>
           </a:p>
         </p:txBody>
       </p:sp>
     </p:spTree>
     <p:extLst>
       <p:ext uri="{BB962C8B-B14F-4D97-AF65-F5344CB8AC3E}">
-        <p14:creationId xmlns:p14="http://schemas.microsoft.com/office/powerpoint/2010/main" val="2967963973"/>
+        <p14:creationId xmlns:p14="http://schemas.microsoft.com/office/powerpoint/2010/main" val="3164932597"/>
       </p:ext>
     </p:extLst>
   </p:cSld>
@@ -10442,6 +10413,884 @@
     <p:extLst>
       <p:ext uri="{BB962C8B-B14F-4D97-AF65-F5344CB8AC3E}">
         <p14:creationId xmlns:p14="http://schemas.microsoft.com/office/powerpoint/2010/main" val="491117102"/>
+      </p:ext>
+    </p:extLst>
+  </p:cSld>
+  <p:clrMapOvr>
+    <a:masterClrMapping/>
+  </p:clrMapOvr>
+</p:sld>
+</file>
+
+<file path=ppt/slides/slide20.xml><?xml version="1.0" encoding="utf-8"?>
+<p:sld xmlns:a="http://schemas.openxmlformats.org/drawingml/2006/main" xmlns:r="http://schemas.openxmlformats.org/officeDocument/2006/relationships" xmlns:p="http://schemas.openxmlformats.org/presentationml/2006/main">
+  <p:cSld>
+    <p:spTree>
+      <p:nvGrpSpPr>
+        <p:cNvPr id="1" name=""/>
+        <p:cNvGrpSpPr/>
+        <p:nvPr/>
+      </p:nvGrpSpPr>
+      <p:grpSpPr>
+        <a:xfrm>
+          <a:off x="0" y="0"/>
+          <a:ext cx="0" cy="0"/>
+          <a:chOff x="0" y="0"/>
+          <a:chExt cx="0" cy="0"/>
+        </a:xfrm>
+      </p:grpSpPr>
+      <p:sp>
+        <p:nvSpPr>
+          <p:cNvPr id="12" name="Title 1">
+            <a:extLst>
+              <a:ext uri="{FF2B5EF4-FFF2-40B4-BE49-F238E27FC236}">
+                <a16:creationId xmlns:a16="http://schemas.microsoft.com/office/drawing/2014/main" id="{CD28DCF4-599B-44AD-86F7-3D40F7E5BC96}"/>
+              </a:ext>
+            </a:extLst>
+          </p:cNvPr>
+          <p:cNvSpPr txBox="1">
+            <a:spLocks/>
+          </p:cNvSpPr>
+          <p:nvPr/>
+        </p:nvSpPr>
+        <p:spPr>
+          <a:xfrm>
+            <a:off x="1223788" y="-76428"/>
+            <a:ext cx="10018713" cy="1752599"/>
+          </a:xfrm>
+          <a:prstGeom prst="rect">
+            <a:avLst/>
+          </a:prstGeom>
+          <a:effectLst/>
+        </p:spPr>
+        <p:txBody>
+          <a:bodyPr vert="horz" lIns="91440" tIns="45720" rIns="91440" bIns="45720" rtlCol="0" anchor="ctr">
+            <a:normAutofit/>
+          </a:bodyPr>
+          <a:lstStyle>
+            <a:lvl1pPr algn="ctr" defTabSz="457200" rtl="0" eaLnBrk="1" latinLnBrk="1" hangingPunct="1">
+              <a:spcBef>
+                <a:spcPct val="0"/>
+              </a:spcBef>
+              <a:buNone/>
+              <a:defRPr sz="4000" kern="1200" cap="none">
+                <a:ln w="3175" cmpd="sng">
+                  <a:noFill/>
+                </a:ln>
+                <a:solidFill>
+                  <a:schemeClr val="tx1"/>
+                </a:solidFill>
+                <a:effectLst/>
+                <a:latin typeface="+mj-lt"/>
+                <a:ea typeface="+mj-ea"/>
+                <a:cs typeface="+mj-cs"/>
+              </a:defRPr>
+            </a:lvl1pPr>
+            <a:lvl2pPr eaLnBrk="1" latinLnBrk="1" hangingPunct="1">
+              <a:defRPr>
+                <a:solidFill>
+                  <a:schemeClr val="tx2"/>
+                </a:solidFill>
+              </a:defRPr>
+            </a:lvl2pPr>
+            <a:lvl3pPr eaLnBrk="1" latinLnBrk="1" hangingPunct="1">
+              <a:defRPr>
+                <a:solidFill>
+                  <a:schemeClr val="tx2"/>
+                </a:solidFill>
+              </a:defRPr>
+            </a:lvl3pPr>
+            <a:lvl4pPr eaLnBrk="1" latinLnBrk="1" hangingPunct="1">
+              <a:defRPr>
+                <a:solidFill>
+                  <a:schemeClr val="tx2"/>
+                </a:solidFill>
+              </a:defRPr>
+            </a:lvl4pPr>
+            <a:lvl5pPr eaLnBrk="1" latinLnBrk="1" hangingPunct="1">
+              <a:defRPr>
+                <a:solidFill>
+                  <a:schemeClr val="tx2"/>
+                </a:solidFill>
+              </a:defRPr>
+            </a:lvl5pPr>
+            <a:lvl6pPr eaLnBrk="1" latinLnBrk="1" hangingPunct="1">
+              <a:defRPr>
+                <a:solidFill>
+                  <a:schemeClr val="tx2"/>
+                </a:solidFill>
+              </a:defRPr>
+            </a:lvl6pPr>
+            <a:lvl7pPr eaLnBrk="1" latinLnBrk="1" hangingPunct="1">
+              <a:defRPr>
+                <a:solidFill>
+                  <a:schemeClr val="tx2"/>
+                </a:solidFill>
+              </a:defRPr>
+            </a:lvl7pPr>
+            <a:lvl8pPr eaLnBrk="1" latinLnBrk="1" hangingPunct="1">
+              <a:defRPr>
+                <a:solidFill>
+                  <a:schemeClr val="tx2"/>
+                </a:solidFill>
+              </a:defRPr>
+            </a:lvl8pPr>
+            <a:lvl9pPr eaLnBrk="1" latinLnBrk="1" hangingPunct="1">
+              <a:defRPr>
+                <a:solidFill>
+                  <a:schemeClr val="tx2"/>
+                </a:solidFill>
+              </a:defRPr>
+            </a:lvl9pPr>
+          </a:lstStyle>
+          <a:p>
+            <a:r>
+              <a:rPr lang="ko-KR" altLang="en-US" dirty="0"/>
+              <a:t>라이트맵</a:t>
+            </a:r>
+          </a:p>
+        </p:txBody>
+      </p:sp>
+      <p:sp>
+        <p:nvSpPr>
+          <p:cNvPr id="9" name="TextBox 8">
+            <a:extLst>
+              <a:ext uri="{FF2B5EF4-FFF2-40B4-BE49-F238E27FC236}">
+                <a16:creationId xmlns:a16="http://schemas.microsoft.com/office/drawing/2014/main" id="{FDF6574E-AACA-443B-9FA9-C46AEB80E62A}"/>
+              </a:ext>
+            </a:extLst>
+          </p:cNvPr>
+          <p:cNvSpPr txBox="1"/>
+          <p:nvPr/>
+        </p:nvSpPr>
+        <p:spPr>
+          <a:xfrm>
+            <a:off x="2585016" y="1023443"/>
+            <a:ext cx="2510925" cy="430887"/>
+          </a:xfrm>
+          <a:prstGeom prst="rect">
+            <a:avLst/>
+          </a:prstGeom>
+          <a:noFill/>
+        </p:spPr>
+        <p:txBody>
+          <a:bodyPr wrap="square">
+            <a:spAutoFit/>
+          </a:bodyPr>
+          <a:lstStyle/>
+          <a:p>
+            <a:r>
+              <a:rPr lang="ko-KR" altLang="en-US" sz="2200" dirty="0">
+                <a:latin typeface="+mj-lt"/>
+              </a:rPr>
+              <a:t>라이팅 환경 세팅</a:t>
+            </a:r>
+            <a:endParaRPr lang="en-US" altLang="ko-KR" sz="2200" dirty="0">
+              <a:latin typeface="+mj-lt"/>
+            </a:endParaRPr>
+          </a:p>
+        </p:txBody>
+      </p:sp>
+      <p:sp>
+        <p:nvSpPr>
+          <p:cNvPr id="10" name="TextBox 9">
+            <a:extLst>
+              <a:ext uri="{FF2B5EF4-FFF2-40B4-BE49-F238E27FC236}">
+                <a16:creationId xmlns:a16="http://schemas.microsoft.com/office/drawing/2014/main" id="{6C46E465-05DA-4E4C-82BB-D94BE0BE303F}"/>
+              </a:ext>
+            </a:extLst>
+          </p:cNvPr>
+          <p:cNvSpPr txBox="1"/>
+          <p:nvPr/>
+        </p:nvSpPr>
+        <p:spPr>
+          <a:xfrm>
+            <a:off x="8281165" y="1023443"/>
+            <a:ext cx="2869788" cy="430887"/>
+          </a:xfrm>
+          <a:prstGeom prst="rect">
+            <a:avLst/>
+          </a:prstGeom>
+          <a:noFill/>
+        </p:spPr>
+        <p:txBody>
+          <a:bodyPr wrap="square">
+            <a:spAutoFit/>
+          </a:bodyPr>
+          <a:lstStyle/>
+          <a:p>
+            <a:r>
+              <a:rPr lang="ko-KR" altLang="en-US" sz="2200" dirty="0">
+                <a:latin typeface="+mj-lt"/>
+              </a:rPr>
+              <a:t>베이킹된 라이트맵</a:t>
+            </a:r>
+            <a:endParaRPr lang="en-US" altLang="ko-KR" sz="2200" dirty="0">
+              <a:latin typeface="+mj-lt"/>
+            </a:endParaRPr>
+          </a:p>
+        </p:txBody>
+      </p:sp>
+      <p:pic>
+        <p:nvPicPr>
+          <p:cNvPr id="5" name="Picture 4">
+            <a:extLst>
+              <a:ext uri="{FF2B5EF4-FFF2-40B4-BE49-F238E27FC236}">
+                <a16:creationId xmlns:a16="http://schemas.microsoft.com/office/drawing/2014/main" id="{D9680B53-E1E2-4CE6-A5B4-ECDC2687A927}"/>
+              </a:ext>
+            </a:extLst>
+          </p:cNvPr>
+          <p:cNvPicPr>
+            <a:picLocks noChangeAspect="1"/>
+          </p:cNvPicPr>
+          <p:nvPr/>
+        </p:nvPicPr>
+        <p:blipFill>
+          <a:blip r:embed="rId2"/>
+          <a:stretch>
+            <a:fillRect/>
+          </a:stretch>
+        </p:blipFill>
+        <p:spPr>
+          <a:xfrm>
+            <a:off x="7242023" y="1454330"/>
+            <a:ext cx="4729921" cy="3491542"/>
+          </a:xfrm>
+          <a:prstGeom prst="rect">
+            <a:avLst/>
+          </a:prstGeom>
+        </p:spPr>
+      </p:pic>
+      <p:pic>
+        <p:nvPicPr>
+          <p:cNvPr id="7" name="Picture 6">
+            <a:extLst>
+              <a:ext uri="{FF2B5EF4-FFF2-40B4-BE49-F238E27FC236}">
+                <a16:creationId xmlns:a16="http://schemas.microsoft.com/office/drawing/2014/main" id="{23D75904-F96F-4023-8561-3FC26B6A0F3E}"/>
+              </a:ext>
+            </a:extLst>
+          </p:cNvPr>
+          <p:cNvPicPr>
+            <a:picLocks noChangeAspect="1"/>
+          </p:cNvPicPr>
+          <p:nvPr/>
+        </p:nvPicPr>
+        <p:blipFill>
+          <a:blip r:embed="rId3"/>
+          <a:stretch>
+            <a:fillRect/>
+          </a:stretch>
+        </p:blipFill>
+        <p:spPr>
+          <a:xfrm>
+            <a:off x="2229817" y="1454330"/>
+            <a:ext cx="3221322" cy="4876612"/>
+          </a:xfrm>
+          <a:prstGeom prst="rect">
+            <a:avLst/>
+          </a:prstGeom>
+        </p:spPr>
+      </p:pic>
+    </p:spTree>
+    <p:extLst>
+      <p:ext uri="{BB962C8B-B14F-4D97-AF65-F5344CB8AC3E}">
+        <p14:creationId xmlns:p14="http://schemas.microsoft.com/office/powerpoint/2010/main" val="9746222"/>
+      </p:ext>
+    </p:extLst>
+  </p:cSld>
+  <p:clrMapOvr>
+    <a:masterClrMapping/>
+  </p:clrMapOvr>
+</p:sld>
+</file>
+
+<file path=ppt/slides/slide21.xml><?xml version="1.0" encoding="utf-8"?>
+<p:sld xmlns:a="http://schemas.openxmlformats.org/drawingml/2006/main" xmlns:r="http://schemas.openxmlformats.org/officeDocument/2006/relationships" xmlns:p="http://schemas.openxmlformats.org/presentationml/2006/main">
+  <p:cSld>
+    <p:spTree>
+      <p:nvGrpSpPr>
+        <p:cNvPr id="1" name=""/>
+        <p:cNvGrpSpPr/>
+        <p:nvPr/>
+      </p:nvGrpSpPr>
+      <p:grpSpPr>
+        <a:xfrm>
+          <a:off x="0" y="0"/>
+          <a:ext cx="0" cy="0"/>
+          <a:chOff x="0" y="0"/>
+          <a:chExt cx="0" cy="0"/>
+        </a:xfrm>
+      </p:grpSpPr>
+      <p:sp>
+        <p:nvSpPr>
+          <p:cNvPr id="12" name="Title 1">
+            <a:extLst>
+              <a:ext uri="{FF2B5EF4-FFF2-40B4-BE49-F238E27FC236}">
+                <a16:creationId xmlns:a16="http://schemas.microsoft.com/office/drawing/2014/main" id="{CD28DCF4-599B-44AD-86F7-3D40F7E5BC96}"/>
+              </a:ext>
+            </a:extLst>
+          </p:cNvPr>
+          <p:cNvSpPr txBox="1">
+            <a:spLocks/>
+          </p:cNvSpPr>
+          <p:nvPr/>
+        </p:nvSpPr>
+        <p:spPr>
+          <a:xfrm>
+            <a:off x="1223788" y="-76428"/>
+            <a:ext cx="10018713" cy="1752599"/>
+          </a:xfrm>
+          <a:prstGeom prst="rect">
+            <a:avLst/>
+          </a:prstGeom>
+          <a:effectLst/>
+        </p:spPr>
+        <p:txBody>
+          <a:bodyPr vert="horz" lIns="91440" tIns="45720" rIns="91440" bIns="45720" rtlCol="0" anchor="ctr">
+            <a:normAutofit/>
+          </a:bodyPr>
+          <a:lstStyle>
+            <a:lvl1pPr algn="ctr" defTabSz="457200" rtl="0" eaLnBrk="1" latinLnBrk="1" hangingPunct="1">
+              <a:spcBef>
+                <a:spcPct val="0"/>
+              </a:spcBef>
+              <a:buNone/>
+              <a:defRPr sz="4000" kern="1200" cap="none">
+                <a:ln w="3175" cmpd="sng">
+                  <a:noFill/>
+                </a:ln>
+                <a:solidFill>
+                  <a:schemeClr val="tx1"/>
+                </a:solidFill>
+                <a:effectLst/>
+                <a:latin typeface="+mj-lt"/>
+                <a:ea typeface="+mj-ea"/>
+                <a:cs typeface="+mj-cs"/>
+              </a:defRPr>
+            </a:lvl1pPr>
+            <a:lvl2pPr eaLnBrk="1" latinLnBrk="1" hangingPunct="1">
+              <a:defRPr>
+                <a:solidFill>
+                  <a:schemeClr val="tx2"/>
+                </a:solidFill>
+              </a:defRPr>
+            </a:lvl2pPr>
+            <a:lvl3pPr eaLnBrk="1" latinLnBrk="1" hangingPunct="1">
+              <a:defRPr>
+                <a:solidFill>
+                  <a:schemeClr val="tx2"/>
+                </a:solidFill>
+              </a:defRPr>
+            </a:lvl3pPr>
+            <a:lvl4pPr eaLnBrk="1" latinLnBrk="1" hangingPunct="1">
+              <a:defRPr>
+                <a:solidFill>
+                  <a:schemeClr val="tx2"/>
+                </a:solidFill>
+              </a:defRPr>
+            </a:lvl4pPr>
+            <a:lvl5pPr eaLnBrk="1" latinLnBrk="1" hangingPunct="1">
+              <a:defRPr>
+                <a:solidFill>
+                  <a:schemeClr val="tx2"/>
+                </a:solidFill>
+              </a:defRPr>
+            </a:lvl5pPr>
+            <a:lvl6pPr eaLnBrk="1" latinLnBrk="1" hangingPunct="1">
+              <a:defRPr>
+                <a:solidFill>
+                  <a:schemeClr val="tx2"/>
+                </a:solidFill>
+              </a:defRPr>
+            </a:lvl6pPr>
+            <a:lvl7pPr eaLnBrk="1" latinLnBrk="1" hangingPunct="1">
+              <a:defRPr>
+                <a:solidFill>
+                  <a:schemeClr val="tx2"/>
+                </a:solidFill>
+              </a:defRPr>
+            </a:lvl7pPr>
+            <a:lvl8pPr eaLnBrk="1" latinLnBrk="1" hangingPunct="1">
+              <a:defRPr>
+                <a:solidFill>
+                  <a:schemeClr val="tx2"/>
+                </a:solidFill>
+              </a:defRPr>
+            </a:lvl8pPr>
+            <a:lvl9pPr eaLnBrk="1" latinLnBrk="1" hangingPunct="1">
+              <a:defRPr>
+                <a:solidFill>
+                  <a:schemeClr val="tx2"/>
+                </a:solidFill>
+              </a:defRPr>
+            </a:lvl9pPr>
+          </a:lstStyle>
+          <a:p>
+            <a:r>
+              <a:rPr lang="ko-KR" altLang="en-US" dirty="0"/>
+              <a:t>캐릭터 애니메이션</a:t>
+            </a:r>
+          </a:p>
+        </p:txBody>
+      </p:sp>
+      <p:sp>
+        <p:nvSpPr>
+          <p:cNvPr id="9" name="TextBox 8">
+            <a:extLst>
+              <a:ext uri="{FF2B5EF4-FFF2-40B4-BE49-F238E27FC236}">
+                <a16:creationId xmlns:a16="http://schemas.microsoft.com/office/drawing/2014/main" id="{FDF6574E-AACA-443B-9FA9-C46AEB80E62A}"/>
+              </a:ext>
+            </a:extLst>
+          </p:cNvPr>
+          <p:cNvSpPr txBox="1"/>
+          <p:nvPr/>
+        </p:nvSpPr>
+        <p:spPr>
+          <a:xfrm>
+            <a:off x="4412389" y="2110240"/>
+            <a:ext cx="2170185" cy="430887"/>
+          </a:xfrm>
+          <a:prstGeom prst="rect">
+            <a:avLst/>
+          </a:prstGeom>
+          <a:noFill/>
+        </p:spPr>
+        <p:txBody>
+          <a:bodyPr wrap="square">
+            <a:spAutoFit/>
+          </a:bodyPr>
+          <a:lstStyle/>
+          <a:p>
+            <a:r>
+              <a:rPr lang="ko-KR" altLang="en-US" sz="2200" dirty="0">
+                <a:latin typeface="+mj-lt"/>
+              </a:rPr>
+              <a:t>휴머노이드</a:t>
+            </a:r>
+            <a:endParaRPr lang="en-US" altLang="ko-KR" sz="2200" dirty="0">
+              <a:latin typeface="+mj-lt"/>
+            </a:endParaRPr>
+          </a:p>
+        </p:txBody>
+      </p:sp>
+      <p:sp>
+        <p:nvSpPr>
+          <p:cNvPr id="10" name="TextBox 9">
+            <a:extLst>
+              <a:ext uri="{FF2B5EF4-FFF2-40B4-BE49-F238E27FC236}">
+                <a16:creationId xmlns:a16="http://schemas.microsoft.com/office/drawing/2014/main" id="{6C46E465-05DA-4E4C-82BB-D94BE0BE303F}"/>
+              </a:ext>
+            </a:extLst>
+          </p:cNvPr>
+          <p:cNvSpPr txBox="1"/>
+          <p:nvPr/>
+        </p:nvSpPr>
+        <p:spPr>
+          <a:xfrm>
+            <a:off x="9232636" y="509638"/>
+            <a:ext cx="2576188" cy="430887"/>
+          </a:xfrm>
+          <a:prstGeom prst="rect">
+            <a:avLst/>
+          </a:prstGeom>
+          <a:noFill/>
+        </p:spPr>
+        <p:txBody>
+          <a:bodyPr wrap="square">
+            <a:spAutoFit/>
+          </a:bodyPr>
+          <a:lstStyle/>
+          <a:p>
+            <a:r>
+              <a:rPr lang="ko-KR" altLang="en-US" sz="2200">
+                <a:latin typeface="+mj-lt"/>
+              </a:rPr>
+              <a:t>애니메이션 에셋</a:t>
+            </a:r>
+            <a:endParaRPr lang="en-US" altLang="ko-KR" sz="2200" dirty="0">
+              <a:latin typeface="+mj-lt"/>
+            </a:endParaRPr>
+          </a:p>
+        </p:txBody>
+      </p:sp>
+      <p:pic>
+        <p:nvPicPr>
+          <p:cNvPr id="5" name="Picture 4">
+            <a:extLst>
+              <a:ext uri="{FF2B5EF4-FFF2-40B4-BE49-F238E27FC236}">
+                <a16:creationId xmlns:a16="http://schemas.microsoft.com/office/drawing/2014/main" id="{D8E5A9CC-D9AB-4E0B-816E-88DE310E5248}"/>
+              </a:ext>
+            </a:extLst>
+          </p:cNvPr>
+          <p:cNvPicPr>
+            <a:picLocks noChangeAspect="1"/>
+          </p:cNvPicPr>
+          <p:nvPr/>
+        </p:nvPicPr>
+        <p:blipFill>
+          <a:blip r:embed="rId2"/>
+          <a:stretch>
+            <a:fillRect/>
+          </a:stretch>
+        </p:blipFill>
+        <p:spPr>
+          <a:xfrm>
+            <a:off x="1938010" y="2541127"/>
+            <a:ext cx="6296297" cy="3301195"/>
+          </a:xfrm>
+          <a:prstGeom prst="rect">
+            <a:avLst/>
+          </a:prstGeom>
+        </p:spPr>
+      </p:pic>
+      <p:pic>
+        <p:nvPicPr>
+          <p:cNvPr id="7" name="Picture 6">
+            <a:extLst>
+              <a:ext uri="{FF2B5EF4-FFF2-40B4-BE49-F238E27FC236}">
+                <a16:creationId xmlns:a16="http://schemas.microsoft.com/office/drawing/2014/main" id="{73F51EA0-B650-46D4-BB19-4AAAC2EE1080}"/>
+              </a:ext>
+            </a:extLst>
+          </p:cNvPr>
+          <p:cNvPicPr>
+            <a:picLocks noChangeAspect="1"/>
+          </p:cNvPicPr>
+          <p:nvPr/>
+        </p:nvPicPr>
+        <p:blipFill>
+          <a:blip r:embed="rId3"/>
+          <a:stretch>
+            <a:fillRect/>
+          </a:stretch>
+        </p:blipFill>
+        <p:spPr>
+          <a:xfrm>
+            <a:off x="9056953" y="940525"/>
+            <a:ext cx="2576188" cy="5595257"/>
+          </a:xfrm>
+          <a:prstGeom prst="rect">
+            <a:avLst/>
+          </a:prstGeom>
+        </p:spPr>
+      </p:pic>
+    </p:spTree>
+    <p:extLst>
+      <p:ext uri="{BB962C8B-B14F-4D97-AF65-F5344CB8AC3E}">
+        <p14:creationId xmlns:p14="http://schemas.microsoft.com/office/powerpoint/2010/main" val="859791130"/>
+      </p:ext>
+    </p:extLst>
+  </p:cSld>
+  <p:clrMapOvr>
+    <a:masterClrMapping/>
+  </p:clrMapOvr>
+</p:sld>
+</file>
+
+<file path=ppt/slides/slide22.xml><?xml version="1.0" encoding="utf-8"?>
+<p:sld xmlns:a="http://schemas.openxmlformats.org/drawingml/2006/main" xmlns:r="http://schemas.openxmlformats.org/officeDocument/2006/relationships" xmlns:p="http://schemas.openxmlformats.org/presentationml/2006/main">
+  <p:cSld>
+    <p:spTree>
+      <p:nvGrpSpPr>
+        <p:cNvPr id="1" name=""/>
+        <p:cNvGrpSpPr/>
+        <p:nvPr/>
+      </p:nvGrpSpPr>
+      <p:grpSpPr>
+        <a:xfrm>
+          <a:off x="0" y="0"/>
+          <a:ext cx="0" cy="0"/>
+          <a:chOff x="0" y="0"/>
+          <a:chExt cx="0" cy="0"/>
+        </a:xfrm>
+      </p:grpSpPr>
+      <p:sp>
+        <p:nvSpPr>
+          <p:cNvPr id="8" name="TextBox 7">
+            <a:extLst>
+              <a:ext uri="{FF2B5EF4-FFF2-40B4-BE49-F238E27FC236}">
+                <a16:creationId xmlns:a16="http://schemas.microsoft.com/office/drawing/2014/main" id="{2E732164-C0B8-43BD-B991-7A2D23B7691E}"/>
+              </a:ext>
+            </a:extLst>
+          </p:cNvPr>
+          <p:cNvSpPr txBox="1"/>
+          <p:nvPr/>
+        </p:nvSpPr>
+        <p:spPr>
+          <a:xfrm>
+            <a:off x="2713308" y="1676171"/>
+            <a:ext cx="7039671" cy="1877437"/>
+          </a:xfrm>
+          <a:prstGeom prst="rect">
+            <a:avLst/>
+          </a:prstGeom>
+          <a:noFill/>
+        </p:spPr>
+        <p:txBody>
+          <a:bodyPr wrap="square">
+            <a:spAutoFit/>
+          </a:bodyPr>
+          <a:lstStyle/>
+          <a:p>
+            <a:pPr algn="ctr"/>
+            <a:r>
+              <a:rPr lang="en-US" altLang="ko-KR" sz="2900" dirty="0" err="1">
+                <a:latin typeface="+mj-lt"/>
+              </a:rPr>
+              <a:t>Github</a:t>
+            </a:r>
+            <a:r>
+              <a:rPr lang="en-US" altLang="ko-KR" sz="2900" dirty="0">
+                <a:latin typeface="+mj-lt"/>
+              </a:rPr>
+              <a:t> Repository</a:t>
+            </a:r>
+            <a:r>
+              <a:rPr lang="ko-KR" altLang="en-US" sz="2900" dirty="0">
+                <a:latin typeface="+mj-lt"/>
+              </a:rPr>
+              <a:t>에 영상</a:t>
+            </a:r>
+            <a:r>
+              <a:rPr lang="en-US" altLang="ko-KR" sz="2900" dirty="0">
+                <a:latin typeface="+mj-lt"/>
+              </a:rPr>
+              <a:t>, PPT, </a:t>
+            </a:r>
+            <a:r>
+              <a:rPr lang="ko-KR" altLang="en-US" sz="2900" dirty="0">
+                <a:latin typeface="+mj-lt"/>
+              </a:rPr>
+              <a:t>전체 유니티 소스</a:t>
+            </a:r>
+            <a:r>
+              <a:rPr lang="en-US" altLang="ko-KR" sz="2900" dirty="0">
+                <a:latin typeface="+mj-lt"/>
+              </a:rPr>
+              <a:t> </a:t>
+            </a:r>
+            <a:r>
+              <a:rPr lang="ko-KR" altLang="en-US" sz="2900" dirty="0">
+                <a:latin typeface="+mj-lt"/>
+              </a:rPr>
+              <a:t>올려놓은 상태입니다</a:t>
+            </a:r>
+            <a:endParaRPr lang="en-US" altLang="ko-KR" sz="2900" dirty="0">
+              <a:latin typeface="+mj-lt"/>
+            </a:endParaRPr>
+          </a:p>
+          <a:p>
+            <a:pPr algn="ctr"/>
+            <a:endParaRPr lang="en-US" altLang="ko-KR" sz="2900" dirty="0">
+              <a:latin typeface="+mj-lt"/>
+            </a:endParaRPr>
+          </a:p>
+          <a:p>
+            <a:pPr algn="ctr"/>
+            <a:r>
+              <a:rPr lang="ko-KR" altLang="en-US" sz="2900" dirty="0">
+                <a:latin typeface="+mj-lt"/>
+              </a:rPr>
+              <a:t>감사합니다</a:t>
+            </a:r>
+            <a:endParaRPr lang="en-US" altLang="ko-KR" sz="2900" dirty="0">
+              <a:latin typeface="+mj-lt"/>
+            </a:endParaRPr>
+          </a:p>
+        </p:txBody>
+      </p:sp>
+      <p:sp>
+        <p:nvSpPr>
+          <p:cNvPr id="12" name="Title 1">
+            <a:extLst>
+              <a:ext uri="{FF2B5EF4-FFF2-40B4-BE49-F238E27FC236}">
+                <a16:creationId xmlns:a16="http://schemas.microsoft.com/office/drawing/2014/main" id="{CD28DCF4-599B-44AD-86F7-3D40F7E5BC96}"/>
+              </a:ext>
+            </a:extLst>
+          </p:cNvPr>
+          <p:cNvSpPr txBox="1">
+            <a:spLocks/>
+          </p:cNvSpPr>
+          <p:nvPr/>
+        </p:nvSpPr>
+        <p:spPr>
+          <a:xfrm>
+            <a:off x="1223788" y="-76428"/>
+            <a:ext cx="10018713" cy="1752599"/>
+          </a:xfrm>
+          <a:prstGeom prst="rect">
+            <a:avLst/>
+          </a:prstGeom>
+          <a:effectLst/>
+        </p:spPr>
+        <p:txBody>
+          <a:bodyPr vert="horz" lIns="91440" tIns="45720" rIns="91440" bIns="45720" rtlCol="0" anchor="ctr">
+            <a:normAutofit/>
+          </a:bodyPr>
+          <a:lstStyle>
+            <a:lvl1pPr algn="ctr" defTabSz="457200" rtl="0" eaLnBrk="1" latinLnBrk="1" hangingPunct="1">
+              <a:spcBef>
+                <a:spcPct val="0"/>
+              </a:spcBef>
+              <a:buNone/>
+              <a:defRPr sz="4000" kern="1200" cap="none">
+                <a:ln w="3175" cmpd="sng">
+                  <a:noFill/>
+                </a:ln>
+                <a:solidFill>
+                  <a:schemeClr val="tx1"/>
+                </a:solidFill>
+                <a:effectLst/>
+                <a:latin typeface="+mj-lt"/>
+                <a:ea typeface="+mj-ea"/>
+                <a:cs typeface="+mj-cs"/>
+              </a:defRPr>
+            </a:lvl1pPr>
+            <a:lvl2pPr eaLnBrk="1" latinLnBrk="1" hangingPunct="1">
+              <a:defRPr>
+                <a:solidFill>
+                  <a:schemeClr val="tx2"/>
+                </a:solidFill>
+              </a:defRPr>
+            </a:lvl2pPr>
+            <a:lvl3pPr eaLnBrk="1" latinLnBrk="1" hangingPunct="1">
+              <a:defRPr>
+                <a:solidFill>
+                  <a:schemeClr val="tx2"/>
+                </a:solidFill>
+              </a:defRPr>
+            </a:lvl3pPr>
+            <a:lvl4pPr eaLnBrk="1" latinLnBrk="1" hangingPunct="1">
+              <a:defRPr>
+                <a:solidFill>
+                  <a:schemeClr val="tx2"/>
+                </a:solidFill>
+              </a:defRPr>
+            </a:lvl4pPr>
+            <a:lvl5pPr eaLnBrk="1" latinLnBrk="1" hangingPunct="1">
+              <a:defRPr>
+                <a:solidFill>
+                  <a:schemeClr val="tx2"/>
+                </a:solidFill>
+              </a:defRPr>
+            </a:lvl5pPr>
+            <a:lvl6pPr eaLnBrk="1" latinLnBrk="1" hangingPunct="1">
+              <a:defRPr>
+                <a:solidFill>
+                  <a:schemeClr val="tx2"/>
+                </a:solidFill>
+              </a:defRPr>
+            </a:lvl6pPr>
+            <a:lvl7pPr eaLnBrk="1" latinLnBrk="1" hangingPunct="1">
+              <a:defRPr>
+                <a:solidFill>
+                  <a:schemeClr val="tx2"/>
+                </a:solidFill>
+              </a:defRPr>
+            </a:lvl7pPr>
+            <a:lvl8pPr eaLnBrk="1" latinLnBrk="1" hangingPunct="1">
+              <a:defRPr>
+                <a:solidFill>
+                  <a:schemeClr val="tx2"/>
+                </a:solidFill>
+              </a:defRPr>
+            </a:lvl8pPr>
+            <a:lvl9pPr eaLnBrk="1" latinLnBrk="1" hangingPunct="1">
+              <a:defRPr>
+                <a:solidFill>
+                  <a:schemeClr val="tx2"/>
+                </a:solidFill>
+              </a:defRPr>
+            </a:lvl9pPr>
+          </a:lstStyle>
+          <a:p>
+            <a:r>
+              <a:rPr lang="ko-KR" altLang="en-US" dirty="0"/>
+              <a:t>소스 코드</a:t>
+            </a:r>
+          </a:p>
+        </p:txBody>
+      </p:sp>
+      <p:sp>
+        <p:nvSpPr>
+          <p:cNvPr id="15" name="TextBox 14">
+            <a:extLst>
+              <a:ext uri="{FF2B5EF4-FFF2-40B4-BE49-F238E27FC236}">
+                <a16:creationId xmlns:a16="http://schemas.microsoft.com/office/drawing/2014/main" id="{45969EEE-7B58-415A-81C9-F808630BA06F}"/>
+              </a:ext>
+            </a:extLst>
+          </p:cNvPr>
+          <p:cNvSpPr txBox="1"/>
+          <p:nvPr/>
+        </p:nvSpPr>
+        <p:spPr>
+          <a:xfrm>
+            <a:off x="5340997" y="1022372"/>
+            <a:ext cx="2170185" cy="538609"/>
+          </a:xfrm>
+          <a:prstGeom prst="rect">
+            <a:avLst/>
+          </a:prstGeom>
+          <a:noFill/>
+        </p:spPr>
+        <p:txBody>
+          <a:bodyPr wrap="square">
+            <a:spAutoFit/>
+          </a:bodyPr>
+          <a:lstStyle/>
+          <a:p>
+            <a:r>
+              <a:rPr lang="ko-KR" altLang="en-US" sz="2900" dirty="0">
+                <a:latin typeface="+mj-lt"/>
+              </a:rPr>
+              <a:t>전체 코드</a:t>
+            </a:r>
+            <a:endParaRPr lang="en-US" altLang="ko-KR" sz="2900" dirty="0">
+              <a:latin typeface="+mj-lt"/>
+            </a:endParaRPr>
+          </a:p>
+        </p:txBody>
+      </p:sp>
+      <p:sp>
+        <p:nvSpPr>
+          <p:cNvPr id="6" name="TextBox 5">
+            <a:extLst>
+              <a:ext uri="{FF2B5EF4-FFF2-40B4-BE49-F238E27FC236}">
+                <a16:creationId xmlns:a16="http://schemas.microsoft.com/office/drawing/2014/main" id="{30757665-46A0-49A0-B9A1-AD187A692CF8}"/>
+              </a:ext>
+            </a:extLst>
+          </p:cNvPr>
+          <p:cNvSpPr txBox="1"/>
+          <p:nvPr/>
+        </p:nvSpPr>
+        <p:spPr>
+          <a:xfrm>
+            <a:off x="1604011" y="3653870"/>
+            <a:ext cx="9644156" cy="538609"/>
+          </a:xfrm>
+          <a:prstGeom prst="rect">
+            <a:avLst/>
+          </a:prstGeom>
+          <a:noFill/>
+        </p:spPr>
+        <p:txBody>
+          <a:bodyPr wrap="square">
+            <a:spAutoFit/>
+          </a:bodyPr>
+          <a:lstStyle/>
+          <a:p>
+            <a:r>
+              <a:rPr lang="en-US" altLang="ko-KR" sz="2900" dirty="0">
+                <a:latin typeface="+mj-lt"/>
+              </a:rPr>
+              <a:t>https://github.com/dochigrammer/RoguelikeShooting.git</a:t>
+            </a:r>
+          </a:p>
+        </p:txBody>
+      </p:sp>
+    </p:spTree>
+    <p:extLst>
+      <p:ext uri="{BB962C8B-B14F-4D97-AF65-F5344CB8AC3E}">
+        <p14:creationId xmlns:p14="http://schemas.microsoft.com/office/powerpoint/2010/main" val="2967963973"/>
       </p:ext>
     </p:extLst>
   </p:cSld>
